--- a/presentations/chapter-2/Practical Web Dev.pptx
+++ b/presentations/chapter-2/Practical Web Dev.pptx
@@ -280,7 +280,7 @@
           <a:p>
             <a:fld id="{B53C1D94-E0DD-4250-8C1B-3D8C3DA9B2B6}" type="datetimeFigureOut">
               <a:rPr lang="he-IL" smtClean="0"/>
-              <a:t>כ"ח/אייר/תשע"ט</a:t>
+              <a:t>כ"ב/תמוז/תשע"ט</a:t>
             </a:fld>
             <a:endParaRPr lang="he-IL"/>
           </a:p>
@@ -14492,31 +14492,7 @@
                 <a:ea typeface="+mn-ea"/>
                 <a:cs typeface="+mn-cs"/>
               </a:rPr>
-              <a:t>It will </a:t>
-            </a:r>
-            <a:r>
-              <a:rPr lang="en-US" sz="1200" b="0" i="0" kern="1200" dirty="0" err="1">
-                <a:solidFill>
-                  <a:schemeClr val="tx1"/>
-                </a:solidFill>
-                <a:effectLst/>
-                <a:latin typeface="+mn-lt"/>
-                <a:ea typeface="+mn-ea"/>
-                <a:cs typeface="+mn-cs"/>
-              </a:rPr>
-              <a:t>autobind</a:t>
-            </a:r>
-            <a:r>
-              <a:rPr lang="en-US" sz="1200" b="0" i="0" kern="1200" dirty="0">
-                <a:solidFill>
-                  <a:schemeClr val="tx1"/>
-                </a:solidFill>
-                <a:effectLst/>
-                <a:latin typeface="+mn-lt"/>
-                <a:ea typeface="+mn-ea"/>
-                <a:cs typeface="+mn-cs"/>
-              </a:rPr>
-              <a:t> our function in short syntax, no need to add </a:t>
+              <a:t>It will auto-bind our function in short syntax, no need to add </a:t>
             </a:r>
             <a:r>
               <a:rPr lang="en-US" dirty="0" err="1"/>
@@ -15114,12 +15090,8 @@
               <a:defRPr/>
             </a:pPr>
             <a:r>
-              <a:rPr lang="en-US" b="0" dirty="0" err="1"/>
-              <a:t>Usualy</a:t>
-            </a:r>
-            <a:r>
               <a:rPr lang="en-US" b="0" dirty="0"/>
-              <a:t> it will happened if we are showing list, each items will create his owns functions instance.</a:t>
+              <a:t>Usually it will happened if we are showing list, each items will create his owns functions instance.</a:t>
             </a:r>
           </a:p>
           <a:p>
@@ -18174,7 +18146,7 @@
           <a:p>
             <a:fld id="{F472E424-CC75-4448-A1B5-6FCA6BFEE599}" type="datetimeFigureOut">
               <a:rPr lang="he-IL" smtClean="0"/>
-              <a:t>כ"ח/אייר/תשע"ט</a:t>
+              <a:t>כ"ב/תמוז/תשע"ט</a:t>
             </a:fld>
             <a:endParaRPr lang="he-IL"/>
           </a:p>
@@ -18342,7 +18314,7 @@
           <a:p>
             <a:fld id="{F472E424-CC75-4448-A1B5-6FCA6BFEE599}" type="datetimeFigureOut">
               <a:rPr lang="he-IL" smtClean="0"/>
-              <a:t>כ"ח/אייר/תשע"ט</a:t>
+              <a:t>כ"ב/תמוז/תשע"ט</a:t>
             </a:fld>
             <a:endParaRPr lang="he-IL"/>
           </a:p>
@@ -18520,7 +18492,7 @@
           <a:p>
             <a:fld id="{F472E424-CC75-4448-A1B5-6FCA6BFEE599}" type="datetimeFigureOut">
               <a:rPr lang="he-IL" smtClean="0"/>
-              <a:t>כ"ח/אייר/תשע"ט</a:t>
+              <a:t>כ"ב/תמוז/תשע"ט</a:t>
             </a:fld>
             <a:endParaRPr lang="he-IL"/>
           </a:p>
@@ -18688,7 +18660,7 @@
           <a:p>
             <a:fld id="{F472E424-CC75-4448-A1B5-6FCA6BFEE599}" type="datetimeFigureOut">
               <a:rPr lang="he-IL" smtClean="0"/>
-              <a:t>כ"ח/אייר/תשע"ט</a:t>
+              <a:t>כ"ב/תמוז/תשע"ט</a:t>
             </a:fld>
             <a:endParaRPr lang="he-IL"/>
           </a:p>
@@ -18933,7 +18905,7 @@
           <a:p>
             <a:fld id="{F472E424-CC75-4448-A1B5-6FCA6BFEE599}" type="datetimeFigureOut">
               <a:rPr lang="he-IL" smtClean="0"/>
-              <a:t>כ"ח/אייר/תשע"ט</a:t>
+              <a:t>כ"ב/תמוז/תשע"ט</a:t>
             </a:fld>
             <a:endParaRPr lang="he-IL"/>
           </a:p>
@@ -19162,7 +19134,7 @@
           <a:p>
             <a:fld id="{F472E424-CC75-4448-A1B5-6FCA6BFEE599}" type="datetimeFigureOut">
               <a:rPr lang="he-IL" smtClean="0"/>
-              <a:t>כ"ח/אייר/תשע"ט</a:t>
+              <a:t>כ"ב/תמוז/תשע"ט</a:t>
             </a:fld>
             <a:endParaRPr lang="he-IL"/>
           </a:p>
@@ -19526,7 +19498,7 @@
           <a:p>
             <a:fld id="{F472E424-CC75-4448-A1B5-6FCA6BFEE599}" type="datetimeFigureOut">
               <a:rPr lang="he-IL" smtClean="0"/>
-              <a:t>כ"ח/אייר/תשע"ט</a:t>
+              <a:t>כ"ב/תמוז/תשע"ט</a:t>
             </a:fld>
             <a:endParaRPr lang="he-IL"/>
           </a:p>
@@ -19643,7 +19615,7 @@
           <a:p>
             <a:fld id="{F472E424-CC75-4448-A1B5-6FCA6BFEE599}" type="datetimeFigureOut">
               <a:rPr lang="he-IL" smtClean="0"/>
-              <a:t>כ"ח/אייר/תשע"ט</a:t>
+              <a:t>כ"ב/תמוז/תשע"ט</a:t>
             </a:fld>
             <a:endParaRPr lang="he-IL"/>
           </a:p>
@@ -19738,7 +19710,7 @@
           <a:p>
             <a:fld id="{F472E424-CC75-4448-A1B5-6FCA6BFEE599}" type="datetimeFigureOut">
               <a:rPr lang="he-IL" smtClean="0"/>
-              <a:t>כ"ח/אייר/תשע"ט</a:t>
+              <a:t>כ"ב/תמוז/תשע"ט</a:t>
             </a:fld>
             <a:endParaRPr lang="he-IL"/>
           </a:p>
@@ -20013,7 +19985,7 @@
           <a:p>
             <a:fld id="{F472E424-CC75-4448-A1B5-6FCA6BFEE599}" type="datetimeFigureOut">
               <a:rPr lang="he-IL" smtClean="0"/>
-              <a:t>כ"ח/אייר/תשע"ט</a:t>
+              <a:t>כ"ב/תמוז/תשע"ט</a:t>
             </a:fld>
             <a:endParaRPr lang="he-IL"/>
           </a:p>
@@ -20265,7 +20237,7 @@
           <a:p>
             <a:fld id="{F472E424-CC75-4448-A1B5-6FCA6BFEE599}" type="datetimeFigureOut">
               <a:rPr lang="he-IL" smtClean="0"/>
-              <a:t>כ"ח/אייר/תשע"ט</a:t>
+              <a:t>כ"ב/תמוז/תשע"ט</a:t>
             </a:fld>
             <a:endParaRPr lang="he-IL"/>
           </a:p>
@@ -20476,7 +20448,7 @@
           <a:p>
             <a:fld id="{F472E424-CC75-4448-A1B5-6FCA6BFEE599}" type="datetimeFigureOut">
               <a:rPr lang="he-IL" smtClean="0"/>
-              <a:t>כ"ח/אייר/תשע"ט</a:t>
+              <a:t>כ"ב/תמוז/תשע"ט</a:t>
             </a:fld>
             <a:endParaRPr lang="he-IL"/>
           </a:p>

--- a/presentations/chapter-2/Practical Web Dev.pptx
+++ b/presentations/chapter-2/Practical Web Dev.pptx
@@ -261,7 +261,7 @@
           <a:p>
             <a:fld id="{B53C1D94-E0DD-4250-8C1B-3D8C3DA9B2B6}" type="datetimeFigureOut">
               <a:rPr lang="he-IL" smtClean="0"/>
-              <a:t>כ"ב.תמוז.תשע"ט</a:t>
+              <a:t>כ"ט.תמוז.תשע"ט</a:t>
             </a:fld>
             <a:endParaRPr lang="he-IL"/>
           </a:p>
@@ -907,8 +907,13 @@
             </a:pPr>
             <a:r>
               <a:rPr lang="en-US" b="0" dirty="0"/>
-              <a:t>Add example!</a:t>
-            </a:r>
+              <a:t>Animations are other </a:t>
+            </a:r>
+            <a:r>
+              <a:rPr lang="en-US" b="0"/>
+              <a:t>source order.</a:t>
+            </a:r>
+            <a:endParaRPr lang="en-US" b="0" dirty="0"/>
           </a:p>
         </p:txBody>
       </p:sp>
@@ -4508,7 +4513,7 @@
           <a:p>
             <a:fld id="{F472E424-CC75-4448-A1B5-6FCA6BFEE599}" type="datetimeFigureOut">
               <a:rPr lang="he-IL" smtClean="0"/>
-              <a:t>כ"ב.תמוז.תשע"ט</a:t>
+              <a:t>כ"ט.תמוז.תשע"ט</a:t>
             </a:fld>
             <a:endParaRPr lang="he-IL"/>
           </a:p>
@@ -4676,7 +4681,7 @@
           <a:p>
             <a:fld id="{F472E424-CC75-4448-A1B5-6FCA6BFEE599}" type="datetimeFigureOut">
               <a:rPr lang="he-IL" smtClean="0"/>
-              <a:t>כ"ב.תמוז.תשע"ט</a:t>
+              <a:t>כ"ט.תמוז.תשע"ט</a:t>
             </a:fld>
             <a:endParaRPr lang="he-IL"/>
           </a:p>
@@ -4854,7 +4859,7 @@
           <a:p>
             <a:fld id="{F472E424-CC75-4448-A1B5-6FCA6BFEE599}" type="datetimeFigureOut">
               <a:rPr lang="he-IL" smtClean="0"/>
-              <a:t>כ"ב.תמוז.תשע"ט</a:t>
+              <a:t>כ"ט.תמוז.תשע"ט</a:t>
             </a:fld>
             <a:endParaRPr lang="he-IL"/>
           </a:p>
@@ -5022,7 +5027,7 @@
           <a:p>
             <a:fld id="{F472E424-CC75-4448-A1B5-6FCA6BFEE599}" type="datetimeFigureOut">
               <a:rPr lang="he-IL" smtClean="0"/>
-              <a:t>כ"ב.תמוז.תשע"ט</a:t>
+              <a:t>כ"ט.תמוז.תשע"ט</a:t>
             </a:fld>
             <a:endParaRPr lang="he-IL"/>
           </a:p>
@@ -5267,7 +5272,7 @@
           <a:p>
             <a:fld id="{F472E424-CC75-4448-A1B5-6FCA6BFEE599}" type="datetimeFigureOut">
               <a:rPr lang="he-IL" smtClean="0"/>
-              <a:t>כ"ב.תמוז.תשע"ט</a:t>
+              <a:t>כ"ט.תמוז.תשע"ט</a:t>
             </a:fld>
             <a:endParaRPr lang="he-IL"/>
           </a:p>
@@ -5496,7 +5501,7 @@
           <a:p>
             <a:fld id="{F472E424-CC75-4448-A1B5-6FCA6BFEE599}" type="datetimeFigureOut">
               <a:rPr lang="he-IL" smtClean="0"/>
-              <a:t>כ"ב.תמוז.תשע"ט</a:t>
+              <a:t>כ"ט.תמוז.תשע"ט</a:t>
             </a:fld>
             <a:endParaRPr lang="he-IL"/>
           </a:p>
@@ -5860,7 +5865,7 @@
           <a:p>
             <a:fld id="{F472E424-CC75-4448-A1B5-6FCA6BFEE599}" type="datetimeFigureOut">
               <a:rPr lang="he-IL" smtClean="0"/>
-              <a:t>כ"ב.תמוז.תשע"ט</a:t>
+              <a:t>כ"ט.תמוז.תשע"ט</a:t>
             </a:fld>
             <a:endParaRPr lang="he-IL"/>
           </a:p>
@@ -5977,7 +5982,7 @@
           <a:p>
             <a:fld id="{F472E424-CC75-4448-A1B5-6FCA6BFEE599}" type="datetimeFigureOut">
               <a:rPr lang="he-IL" smtClean="0"/>
-              <a:t>כ"ב.תמוז.תשע"ט</a:t>
+              <a:t>כ"ט.תמוז.תשע"ט</a:t>
             </a:fld>
             <a:endParaRPr lang="he-IL"/>
           </a:p>
@@ -6072,7 +6077,7 @@
           <a:p>
             <a:fld id="{F472E424-CC75-4448-A1B5-6FCA6BFEE599}" type="datetimeFigureOut">
               <a:rPr lang="he-IL" smtClean="0"/>
-              <a:t>כ"ב.תמוז.תשע"ט</a:t>
+              <a:t>כ"ט.תמוז.תשע"ט</a:t>
             </a:fld>
             <a:endParaRPr lang="he-IL"/>
           </a:p>
@@ -6347,7 +6352,7 @@
           <a:p>
             <a:fld id="{F472E424-CC75-4448-A1B5-6FCA6BFEE599}" type="datetimeFigureOut">
               <a:rPr lang="he-IL" smtClean="0"/>
-              <a:t>כ"ב.תמוז.תשע"ט</a:t>
+              <a:t>כ"ט.תמוז.תשע"ט</a:t>
             </a:fld>
             <a:endParaRPr lang="he-IL"/>
           </a:p>
@@ -6599,7 +6604,7 @@
           <a:p>
             <a:fld id="{F472E424-CC75-4448-A1B5-6FCA6BFEE599}" type="datetimeFigureOut">
               <a:rPr lang="he-IL" smtClean="0"/>
-              <a:t>כ"ב.תמוז.תשע"ט</a:t>
+              <a:t>כ"ט.תמוז.תשע"ט</a:t>
             </a:fld>
             <a:endParaRPr lang="he-IL"/>
           </a:p>
@@ -6810,7 +6815,7 @@
           <a:p>
             <a:fld id="{F472E424-CC75-4448-A1B5-6FCA6BFEE599}" type="datetimeFigureOut">
               <a:rPr lang="he-IL" smtClean="0"/>
-              <a:t>כ"ב.תמוז.תשע"ט</a:t>
+              <a:t>כ"ט.תמוז.תשע"ט</a:t>
             </a:fld>
             <a:endParaRPr lang="he-IL"/>
           </a:p>

--- a/presentations/chapter-2/Practical Web Dev.pptx
+++ b/presentations/chapter-2/Practical Web Dev.pptx
@@ -147,10 +147,6 @@
             <p14:sldId id="399"/>
             <p14:sldId id="401"/>
             <p14:sldId id="402"/>
-          </p14:sldIdLst>
-        </p14:section>
-        <p14:section name="Untitled Section" id="{C1D0E545-2C7D-473A-832A-0A18554C7EAE}">
-          <p14:sldIdLst>
             <p14:sldId id="403"/>
             <p14:sldId id="404"/>
             <p14:sldId id="405"/>
@@ -261,7 +257,7 @@
           <a:p>
             <a:fld id="{B53C1D94-E0DD-4250-8C1B-3D8C3DA9B2B6}" type="datetimeFigureOut">
               <a:rPr lang="he-IL" smtClean="0"/>
-              <a:t>כ"ט.תמוז.תשע"ט</a:t>
+              <a:t>ט"ו/אלול/תשע"ט</a:t>
             </a:fld>
             <a:endParaRPr lang="he-IL"/>
           </a:p>
@@ -4513,7 +4509,7 @@
           <a:p>
             <a:fld id="{F472E424-CC75-4448-A1B5-6FCA6BFEE599}" type="datetimeFigureOut">
               <a:rPr lang="he-IL" smtClean="0"/>
-              <a:t>כ"ט.תמוז.תשע"ט</a:t>
+              <a:t>ט"ו/אלול/תשע"ט</a:t>
             </a:fld>
             <a:endParaRPr lang="he-IL"/>
           </a:p>
@@ -4681,7 +4677,7 @@
           <a:p>
             <a:fld id="{F472E424-CC75-4448-A1B5-6FCA6BFEE599}" type="datetimeFigureOut">
               <a:rPr lang="he-IL" smtClean="0"/>
-              <a:t>כ"ט.תמוז.תשע"ט</a:t>
+              <a:t>ט"ו/אלול/תשע"ט</a:t>
             </a:fld>
             <a:endParaRPr lang="he-IL"/>
           </a:p>
@@ -4859,7 +4855,7 @@
           <a:p>
             <a:fld id="{F472E424-CC75-4448-A1B5-6FCA6BFEE599}" type="datetimeFigureOut">
               <a:rPr lang="he-IL" smtClean="0"/>
-              <a:t>כ"ט.תמוז.תשע"ט</a:t>
+              <a:t>ט"ו/אלול/תשע"ט</a:t>
             </a:fld>
             <a:endParaRPr lang="he-IL"/>
           </a:p>
@@ -5027,7 +5023,7 @@
           <a:p>
             <a:fld id="{F472E424-CC75-4448-A1B5-6FCA6BFEE599}" type="datetimeFigureOut">
               <a:rPr lang="he-IL" smtClean="0"/>
-              <a:t>כ"ט.תמוז.תשע"ט</a:t>
+              <a:t>ט"ו/אלול/תשע"ט</a:t>
             </a:fld>
             <a:endParaRPr lang="he-IL"/>
           </a:p>
@@ -5272,7 +5268,7 @@
           <a:p>
             <a:fld id="{F472E424-CC75-4448-A1B5-6FCA6BFEE599}" type="datetimeFigureOut">
               <a:rPr lang="he-IL" smtClean="0"/>
-              <a:t>כ"ט.תמוז.תשע"ט</a:t>
+              <a:t>ט"ו/אלול/תשע"ט</a:t>
             </a:fld>
             <a:endParaRPr lang="he-IL"/>
           </a:p>
@@ -5501,7 +5497,7 @@
           <a:p>
             <a:fld id="{F472E424-CC75-4448-A1B5-6FCA6BFEE599}" type="datetimeFigureOut">
               <a:rPr lang="he-IL" smtClean="0"/>
-              <a:t>כ"ט.תמוז.תשע"ט</a:t>
+              <a:t>ט"ו/אלול/תשע"ט</a:t>
             </a:fld>
             <a:endParaRPr lang="he-IL"/>
           </a:p>
@@ -5865,7 +5861,7 @@
           <a:p>
             <a:fld id="{F472E424-CC75-4448-A1B5-6FCA6BFEE599}" type="datetimeFigureOut">
               <a:rPr lang="he-IL" smtClean="0"/>
-              <a:t>כ"ט.תמוז.תשע"ט</a:t>
+              <a:t>ט"ו/אלול/תשע"ט</a:t>
             </a:fld>
             <a:endParaRPr lang="he-IL"/>
           </a:p>
@@ -5982,7 +5978,7 @@
           <a:p>
             <a:fld id="{F472E424-CC75-4448-A1B5-6FCA6BFEE599}" type="datetimeFigureOut">
               <a:rPr lang="he-IL" smtClean="0"/>
-              <a:t>כ"ט.תמוז.תשע"ט</a:t>
+              <a:t>ט"ו/אלול/תשע"ט</a:t>
             </a:fld>
             <a:endParaRPr lang="he-IL"/>
           </a:p>
@@ -6077,7 +6073,7 @@
           <a:p>
             <a:fld id="{F472E424-CC75-4448-A1B5-6FCA6BFEE599}" type="datetimeFigureOut">
               <a:rPr lang="he-IL" smtClean="0"/>
-              <a:t>כ"ט.תמוז.תשע"ט</a:t>
+              <a:t>ט"ו/אלול/תשע"ט</a:t>
             </a:fld>
             <a:endParaRPr lang="he-IL"/>
           </a:p>
@@ -6352,7 +6348,7 @@
           <a:p>
             <a:fld id="{F472E424-CC75-4448-A1B5-6FCA6BFEE599}" type="datetimeFigureOut">
               <a:rPr lang="he-IL" smtClean="0"/>
-              <a:t>כ"ט.תמוז.תשע"ט</a:t>
+              <a:t>ט"ו/אלול/תשע"ט</a:t>
             </a:fld>
             <a:endParaRPr lang="he-IL"/>
           </a:p>
@@ -6604,7 +6600,7 @@
           <a:p>
             <a:fld id="{F472E424-CC75-4448-A1B5-6FCA6BFEE599}" type="datetimeFigureOut">
               <a:rPr lang="he-IL" smtClean="0"/>
-              <a:t>כ"ט.תמוז.תשע"ט</a:t>
+              <a:t>ט"ו/אלול/תשע"ט</a:t>
             </a:fld>
             <a:endParaRPr lang="he-IL"/>
           </a:p>
@@ -6815,7 +6811,7 @@
           <a:p>
             <a:fld id="{F472E424-CC75-4448-A1B5-6FCA6BFEE599}" type="datetimeFigureOut">
               <a:rPr lang="he-IL" smtClean="0"/>
-              <a:t>כ"ט.תמוז.תשע"ט</a:t>
+              <a:t>ט"ו/אלול/תשע"ט</a:t>
             </a:fld>
             <a:endParaRPr lang="he-IL"/>
           </a:p>
